--- a/slides/instruction/principleWindows_5.pptx
+++ b/slides/instruction/principleWindows_5.pptx
@@ -16875,7 +16875,7 @@
           <a:p>
             <a:fld id="{62B690D2-9F6C-4A40-B045-5871089CDE7B}" type="datetimeFigureOut">
               <a:rPr lang="zh-CN" altLang="en-US" smtClean="0"/>
-              <a:t>2022/10/9</a:t>
+              <a:t>2022/10/23</a:t>
             </a:fld>
             <a:endParaRPr lang="zh-CN" altLang="en-US"/>
           </a:p>
@@ -35515,7 +35515,19 @@
               <a:rPr lang="zh-CN" altLang="en-US" sz="2000" dirty="0">
                 <a:cs typeface="+mn-cs"/>
               </a:rPr>
-              <a:t> 容纳了应用程序和计算机系统的全部配置信息、系统和应用程序的初始化信息、应用程序和文档文件的关联关系、硬件设备的说明、状态和属性以及各种状态信息和数据。</a:t>
+              <a:t> 容纳了应用程序和计算机系统的</a:t>
+            </a:r>
+            <a:r>
+              <a:rPr lang="zh-CN" altLang="en-US" sz="2000" strike="sngStrike" dirty="0">
+                <a:cs typeface="+mn-cs"/>
+              </a:rPr>
+              <a:t>全部</a:t>
+            </a:r>
+            <a:r>
+              <a:rPr lang="zh-CN" altLang="en-US" sz="2000" dirty="0">
+                <a:cs typeface="+mn-cs"/>
+              </a:rPr>
+              <a:t>配置信息、系统和应用程序的初始化信息、应用程序和文档文件的关联关系、硬件设备的说明、状态和属性以及各种状态信息和数据。</a:t>
             </a:r>
             <a:endParaRPr lang="en-US" altLang="zh-CN" sz="2000" dirty="0">
               <a:cs typeface="+mn-cs"/>

--- a/slides/instruction/principleWindows_5.pptx
+++ b/slides/instruction/principleWindows_5.pptx
@@ -16875,7 +16875,7 @@
           <a:p>
             <a:fld id="{62B690D2-9F6C-4A40-B045-5871089CDE7B}" type="datetimeFigureOut">
               <a:rPr lang="zh-CN" altLang="en-US" smtClean="0"/>
-              <a:t>2022/10/23</a:t>
+              <a:t>2022/10/28</a:t>
             </a:fld>
             <a:endParaRPr lang="zh-CN" altLang="en-US"/>
           </a:p>
@@ -17186,7 +17186,7 @@
           <a:bodyPr/>
           <a:lstStyle/>
           <a:p>
-            <a:endParaRPr lang="zh-CN" altLang="en-US"/>
+            <a:endParaRPr lang="zh-CN" altLang="en-US" dirty="0"/>
           </a:p>
         </p:txBody>
       </p:sp>
@@ -17291,7 +17291,7 @@
           <a:p>
             <a:fld id="{FF6B7014-1CA7-42FF-9E69-87C27AE33F47}" type="slidenum">
               <a:rPr lang="zh-CN" altLang="en-US" smtClean="0"/>
-              <a:t>27</a:t>
+              <a:t>14</a:t>
             </a:fld>
             <a:endParaRPr lang="zh-CN" altLang="en-US"/>
           </a:p>
@@ -17300,7 +17300,7 @@
     </p:spTree>
     <p:extLst>
       <p:ext uri="{BB962C8B-B14F-4D97-AF65-F5344CB8AC3E}">
-        <p14:creationId xmlns:p14="http://schemas.microsoft.com/office/powerpoint/2010/main" val="1733447774"/>
+        <p14:creationId xmlns:p14="http://schemas.microsoft.com/office/powerpoint/2010/main" val="2622129671"/>
       </p:ext>
     </p:extLst>
   </p:cSld>
@@ -17354,6 +17354,174 @@
           <a:bodyPr/>
           <a:lstStyle/>
           <a:p>
+            <a:endParaRPr lang="zh-CN" altLang="en-US" dirty="0"/>
+          </a:p>
+        </p:txBody>
+      </p:sp>
+      <p:sp>
+        <p:nvSpPr>
+          <p:cNvPr id="4" name="灯片编号占位符 3"/>
+          <p:cNvSpPr>
+            <a:spLocks noGrp="1"/>
+          </p:cNvSpPr>
+          <p:nvPr>
+            <p:ph type="sldNum" sz="quarter" idx="5"/>
+          </p:nvPr>
+        </p:nvSpPr>
+        <p:spPr/>
+        <p:txBody>
+          <a:bodyPr/>
+          <a:lstStyle/>
+          <a:p>
+            <a:fld id="{FF6B7014-1CA7-42FF-9E69-87C27AE33F47}" type="slidenum">
+              <a:rPr lang="zh-CN" altLang="en-US" smtClean="0"/>
+              <a:t>15</a:t>
+            </a:fld>
+            <a:endParaRPr lang="zh-CN" altLang="en-US"/>
+          </a:p>
+        </p:txBody>
+      </p:sp>
+    </p:spTree>
+    <p:extLst>
+      <p:ext uri="{BB962C8B-B14F-4D97-AF65-F5344CB8AC3E}">
+        <p14:creationId xmlns:p14="http://schemas.microsoft.com/office/powerpoint/2010/main" val="1768142883"/>
+      </p:ext>
+    </p:extLst>
+  </p:cSld>
+  <p:clrMapOvr>
+    <a:masterClrMapping/>
+  </p:clrMapOvr>
+</p:notes>
+</file>
+
+<file path=ppt/notesSlides/notesSlide12.xml><?xml version="1.0" encoding="utf-8"?>
+<p:notes xmlns:a="http://schemas.openxmlformats.org/drawingml/2006/main" xmlns:r="http://schemas.openxmlformats.org/officeDocument/2006/relationships" xmlns:p="http://schemas.openxmlformats.org/presentationml/2006/main">
+  <p:cSld>
+    <p:spTree>
+      <p:nvGrpSpPr>
+        <p:cNvPr id="1" name=""/>
+        <p:cNvGrpSpPr/>
+        <p:nvPr/>
+      </p:nvGrpSpPr>
+      <p:grpSpPr>
+        <a:xfrm>
+          <a:off x="0" y="0"/>
+          <a:ext cx="0" cy="0"/>
+          <a:chOff x="0" y="0"/>
+          <a:chExt cx="0" cy="0"/>
+        </a:xfrm>
+      </p:grpSpPr>
+      <p:sp>
+        <p:nvSpPr>
+          <p:cNvPr id="2" name="幻灯片图像占位符 1"/>
+          <p:cNvSpPr>
+            <a:spLocks noGrp="1" noRot="1" noChangeAspect="1"/>
+          </p:cNvSpPr>
+          <p:nvPr>
+            <p:ph type="sldImg"/>
+          </p:nvPr>
+        </p:nvSpPr>
+        <p:spPr/>
+      </p:sp>
+      <p:sp>
+        <p:nvSpPr>
+          <p:cNvPr id="3" name="备注占位符 2"/>
+          <p:cNvSpPr>
+            <a:spLocks noGrp="1"/>
+          </p:cNvSpPr>
+          <p:nvPr>
+            <p:ph type="body" idx="1"/>
+          </p:nvPr>
+        </p:nvSpPr>
+        <p:spPr/>
+        <p:txBody>
+          <a:bodyPr/>
+          <a:lstStyle/>
+          <a:p>
+            <a:endParaRPr lang="zh-CN" altLang="en-US" dirty="0"/>
+          </a:p>
+        </p:txBody>
+      </p:sp>
+      <p:sp>
+        <p:nvSpPr>
+          <p:cNvPr id="4" name="灯片编号占位符 3"/>
+          <p:cNvSpPr>
+            <a:spLocks noGrp="1"/>
+          </p:cNvSpPr>
+          <p:nvPr>
+            <p:ph type="sldNum" sz="quarter" idx="5"/>
+          </p:nvPr>
+        </p:nvSpPr>
+        <p:spPr/>
+        <p:txBody>
+          <a:bodyPr/>
+          <a:lstStyle/>
+          <a:p>
+            <a:fld id="{FF6B7014-1CA7-42FF-9E69-87C27AE33F47}" type="slidenum">
+              <a:rPr lang="zh-CN" altLang="en-US" smtClean="0"/>
+              <a:t>27</a:t>
+            </a:fld>
+            <a:endParaRPr lang="zh-CN" altLang="en-US"/>
+          </a:p>
+        </p:txBody>
+      </p:sp>
+    </p:spTree>
+    <p:extLst>
+      <p:ext uri="{BB962C8B-B14F-4D97-AF65-F5344CB8AC3E}">
+        <p14:creationId xmlns:p14="http://schemas.microsoft.com/office/powerpoint/2010/main" val="1733447774"/>
+      </p:ext>
+    </p:extLst>
+  </p:cSld>
+  <p:clrMapOvr>
+    <a:masterClrMapping/>
+  </p:clrMapOvr>
+</p:notes>
+</file>
+
+<file path=ppt/notesSlides/notesSlide13.xml><?xml version="1.0" encoding="utf-8"?>
+<p:notes xmlns:a="http://schemas.openxmlformats.org/drawingml/2006/main" xmlns:r="http://schemas.openxmlformats.org/officeDocument/2006/relationships" xmlns:p="http://schemas.openxmlformats.org/presentationml/2006/main">
+  <p:cSld>
+    <p:spTree>
+      <p:nvGrpSpPr>
+        <p:cNvPr id="1" name=""/>
+        <p:cNvGrpSpPr/>
+        <p:nvPr/>
+      </p:nvGrpSpPr>
+      <p:grpSpPr>
+        <a:xfrm>
+          <a:off x="0" y="0"/>
+          <a:ext cx="0" cy="0"/>
+          <a:chOff x="0" y="0"/>
+          <a:chExt cx="0" cy="0"/>
+        </a:xfrm>
+      </p:grpSpPr>
+      <p:sp>
+        <p:nvSpPr>
+          <p:cNvPr id="2" name="幻灯片图像占位符 1"/>
+          <p:cNvSpPr>
+            <a:spLocks noGrp="1" noRot="1" noChangeAspect="1"/>
+          </p:cNvSpPr>
+          <p:nvPr>
+            <p:ph type="sldImg"/>
+          </p:nvPr>
+        </p:nvSpPr>
+        <p:spPr/>
+      </p:sp>
+      <p:sp>
+        <p:nvSpPr>
+          <p:cNvPr id="3" name="备注占位符 2"/>
+          <p:cNvSpPr>
+            <a:spLocks noGrp="1"/>
+          </p:cNvSpPr>
+          <p:nvPr>
+            <p:ph type="body" idx="1"/>
+          </p:nvPr>
+        </p:nvSpPr>
+        <p:spPr/>
+        <p:txBody>
+          <a:bodyPr/>
+          <a:lstStyle/>
+          <a:p>
             <a:r>
               <a:rPr lang="en-US" altLang="zh-CN" dirty="0"/>
               <a:t>https://support.microsoft.com/en-us/help/322756/how-to-back-up-and-restore-the-registry-in-windows</a:t>
@@ -17398,7 +17566,7 @@
 </p:notes>
 </file>
 
-<file path=ppt/notesSlides/notesSlide12.xml><?xml version="1.0" encoding="utf-8"?>
+<file path=ppt/notesSlides/notesSlide14.xml><?xml version="1.0" encoding="utf-8"?>
 <p:notes xmlns:a="http://schemas.openxmlformats.org/drawingml/2006/main" xmlns:r="http://schemas.openxmlformats.org/officeDocument/2006/relationships" xmlns:p="http://schemas.openxmlformats.org/presentationml/2006/main">
   <p:cSld>
     <p:spTree>
@@ -17482,274 +17650,6 @@
 </p:notes>
 </file>
 
-<file path=ppt/notesSlides/notesSlide13.xml><?xml version="1.0" encoding="utf-8"?>
-<p:notes xmlns:a="http://schemas.openxmlformats.org/drawingml/2006/main" xmlns:r="http://schemas.openxmlformats.org/officeDocument/2006/relationships" xmlns:p="http://schemas.openxmlformats.org/presentationml/2006/main">
-  <p:cSld>
-    <p:spTree>
-      <p:nvGrpSpPr>
-        <p:cNvPr id="1" name=""/>
-        <p:cNvGrpSpPr/>
-        <p:nvPr/>
-      </p:nvGrpSpPr>
-      <p:grpSpPr>
-        <a:xfrm>
-          <a:off x="0" y="0"/>
-          <a:ext cx="0" cy="0"/>
-          <a:chOff x="0" y="0"/>
-          <a:chExt cx="0" cy="0"/>
-        </a:xfrm>
-      </p:grpSpPr>
-      <p:sp>
-        <p:nvSpPr>
-          <p:cNvPr id="2" name="幻灯片图像占位符 1"/>
-          <p:cNvSpPr>
-            <a:spLocks noGrp="1" noRot="1" noChangeAspect="1"/>
-          </p:cNvSpPr>
-          <p:nvPr>
-            <p:ph type="sldImg"/>
-          </p:nvPr>
-        </p:nvSpPr>
-        <p:spPr/>
-      </p:sp>
-      <p:sp>
-        <p:nvSpPr>
-          <p:cNvPr id="3" name="备注占位符 2"/>
-          <p:cNvSpPr>
-            <a:spLocks noGrp="1"/>
-          </p:cNvSpPr>
-          <p:nvPr>
-            <p:ph type="body" idx="1"/>
-          </p:nvPr>
-        </p:nvSpPr>
-        <p:spPr/>
-        <p:txBody>
-          <a:bodyPr/>
-          <a:lstStyle/>
-          <a:p>
-            <a:r>
-              <a:rPr lang="en-US" altLang="zh-CN" sz="1200" b="0" i="0" kern="1200" dirty="0">
-                <a:solidFill>
-                  <a:schemeClr val="tx1"/>
-                </a:solidFill>
-                <a:effectLst/>
-                <a:latin typeface="+mn-lt"/>
-                <a:ea typeface="+mn-ea"/>
-                <a:cs typeface="+mn-cs"/>
-              </a:rPr>
-              <a:t>Most of the supporting files for the hives are in the %</a:t>
-            </a:r>
-            <a:r>
-              <a:rPr lang="en-US" altLang="zh-CN" sz="1200" b="0" i="0" kern="1200" dirty="0" err="1">
-                <a:solidFill>
-                  <a:schemeClr val="tx1"/>
-                </a:solidFill>
-                <a:effectLst/>
-                <a:latin typeface="+mn-lt"/>
-                <a:ea typeface="+mn-ea"/>
-                <a:cs typeface="+mn-cs"/>
-              </a:rPr>
-              <a:t>SystemRoot</a:t>
-            </a:r>
-            <a:r>
-              <a:rPr lang="en-US" altLang="zh-CN" sz="1200" b="0" i="0" kern="1200" dirty="0">
-                <a:solidFill>
-                  <a:schemeClr val="tx1"/>
-                </a:solidFill>
-                <a:effectLst/>
-                <a:latin typeface="+mn-lt"/>
-                <a:ea typeface="+mn-ea"/>
-                <a:cs typeface="+mn-cs"/>
-              </a:rPr>
-              <a:t>%\System32\Config directory. </a:t>
-            </a:r>
-          </a:p>
-          <a:p>
-            <a:r>
-              <a:rPr lang="en-US" altLang="zh-CN" sz="1200" b="0" i="0" kern="1200" dirty="0">
-                <a:solidFill>
-                  <a:schemeClr val="tx1"/>
-                </a:solidFill>
-                <a:effectLst/>
-                <a:latin typeface="+mn-lt"/>
-                <a:ea typeface="+mn-ea"/>
-                <a:cs typeface="+mn-cs"/>
-              </a:rPr>
-              <a:t>These files are updated each time a user logs on</a:t>
-            </a:r>
-            <a:endParaRPr lang="zh-CN" altLang="en-US" dirty="0"/>
-          </a:p>
-        </p:txBody>
-      </p:sp>
-      <p:sp>
-        <p:nvSpPr>
-          <p:cNvPr id="4" name="灯片编号占位符 3"/>
-          <p:cNvSpPr>
-            <a:spLocks noGrp="1"/>
-          </p:cNvSpPr>
-          <p:nvPr>
-            <p:ph type="sldNum" sz="quarter" idx="5"/>
-          </p:nvPr>
-        </p:nvSpPr>
-        <p:spPr/>
-        <p:txBody>
-          <a:bodyPr/>
-          <a:lstStyle/>
-          <a:p>
-            <a:fld id="{FF6B7014-1CA7-42FF-9E69-87C27AE33F47}" type="slidenum">
-              <a:rPr lang="zh-CN" altLang="en-US" smtClean="0"/>
-              <a:t>32</a:t>
-            </a:fld>
-            <a:endParaRPr lang="zh-CN" altLang="en-US"/>
-          </a:p>
-        </p:txBody>
-      </p:sp>
-    </p:spTree>
-    <p:extLst>
-      <p:ext uri="{BB962C8B-B14F-4D97-AF65-F5344CB8AC3E}">
-        <p14:creationId xmlns:p14="http://schemas.microsoft.com/office/powerpoint/2010/main" val="1537333672"/>
-      </p:ext>
-    </p:extLst>
-  </p:cSld>
-  <p:clrMapOvr>
-    <a:masterClrMapping/>
-  </p:clrMapOvr>
-</p:notes>
-</file>
-
-<file path=ppt/notesSlides/notesSlide14.xml><?xml version="1.0" encoding="utf-8"?>
-<p:notes xmlns:a="http://schemas.openxmlformats.org/drawingml/2006/main" xmlns:r="http://schemas.openxmlformats.org/officeDocument/2006/relationships" xmlns:p="http://schemas.openxmlformats.org/presentationml/2006/main">
-  <p:cSld>
-    <p:spTree>
-      <p:nvGrpSpPr>
-        <p:cNvPr id="1" name=""/>
-        <p:cNvGrpSpPr/>
-        <p:nvPr/>
-      </p:nvGrpSpPr>
-      <p:grpSpPr>
-        <a:xfrm>
-          <a:off x="0" y="0"/>
-          <a:ext cx="0" cy="0"/>
-          <a:chOff x="0" y="0"/>
-          <a:chExt cx="0" cy="0"/>
-        </a:xfrm>
-      </p:grpSpPr>
-      <p:sp>
-        <p:nvSpPr>
-          <p:cNvPr id="2" name="幻灯片图像占位符 1"/>
-          <p:cNvSpPr>
-            <a:spLocks noGrp="1" noRot="1" noChangeAspect="1"/>
-          </p:cNvSpPr>
-          <p:nvPr>
-            <p:ph type="sldImg"/>
-          </p:nvPr>
-        </p:nvSpPr>
-        <p:spPr/>
-      </p:sp>
-      <p:sp>
-        <p:nvSpPr>
-          <p:cNvPr id="3" name="备注占位符 2"/>
-          <p:cNvSpPr>
-            <a:spLocks noGrp="1"/>
-          </p:cNvSpPr>
-          <p:nvPr>
-            <p:ph type="body" idx="1"/>
-          </p:nvPr>
-        </p:nvSpPr>
-        <p:spPr/>
-        <p:txBody>
-          <a:bodyPr/>
-          <a:lstStyle/>
-          <a:p>
-            <a:r>
-              <a:rPr lang="en-US" altLang="zh-CN" sz="1200" b="0" i="0" kern="1200" dirty="0">
-                <a:solidFill>
-                  <a:schemeClr val="tx1"/>
-                </a:solidFill>
-                <a:effectLst/>
-                <a:latin typeface="+mn-lt"/>
-                <a:ea typeface="+mn-ea"/>
-                <a:cs typeface="+mn-cs"/>
-              </a:rPr>
-              <a:t>Most of the supporting files for the hives are in the %</a:t>
-            </a:r>
-            <a:r>
-              <a:rPr lang="en-US" altLang="zh-CN" sz="1200" b="0" i="0" kern="1200" dirty="0" err="1">
-                <a:solidFill>
-                  <a:schemeClr val="tx1"/>
-                </a:solidFill>
-                <a:effectLst/>
-                <a:latin typeface="+mn-lt"/>
-                <a:ea typeface="+mn-ea"/>
-                <a:cs typeface="+mn-cs"/>
-              </a:rPr>
-              <a:t>SystemRoot</a:t>
-            </a:r>
-            <a:r>
-              <a:rPr lang="en-US" altLang="zh-CN" sz="1200" b="0" i="0" kern="1200" dirty="0">
-                <a:solidFill>
-                  <a:schemeClr val="tx1"/>
-                </a:solidFill>
-                <a:effectLst/>
-                <a:latin typeface="+mn-lt"/>
-                <a:ea typeface="+mn-ea"/>
-                <a:cs typeface="+mn-cs"/>
-              </a:rPr>
-              <a:t>%\System32\Config directory. </a:t>
-            </a:r>
-          </a:p>
-          <a:p>
-            <a:r>
-              <a:rPr lang="en-US" altLang="zh-CN" sz="1200" b="0" i="0" kern="1200" dirty="0">
-                <a:solidFill>
-                  <a:schemeClr val="tx1"/>
-                </a:solidFill>
-                <a:effectLst/>
-                <a:latin typeface="+mn-lt"/>
-                <a:ea typeface="+mn-ea"/>
-                <a:cs typeface="+mn-cs"/>
-              </a:rPr>
-              <a:t>These files are updated each time a user logs on</a:t>
-            </a:r>
-            <a:endParaRPr lang="zh-CN" altLang="en-US" dirty="0"/>
-          </a:p>
-        </p:txBody>
-      </p:sp>
-      <p:sp>
-        <p:nvSpPr>
-          <p:cNvPr id="4" name="灯片编号占位符 3"/>
-          <p:cNvSpPr>
-            <a:spLocks noGrp="1"/>
-          </p:cNvSpPr>
-          <p:nvPr>
-            <p:ph type="sldNum" sz="quarter" idx="5"/>
-          </p:nvPr>
-        </p:nvSpPr>
-        <p:spPr/>
-        <p:txBody>
-          <a:bodyPr/>
-          <a:lstStyle/>
-          <a:p>
-            <a:fld id="{FF6B7014-1CA7-42FF-9E69-87C27AE33F47}" type="slidenum">
-              <a:rPr lang="zh-CN" altLang="en-US" smtClean="0"/>
-              <a:t>33</a:t>
-            </a:fld>
-            <a:endParaRPr lang="zh-CN" altLang="en-US"/>
-          </a:p>
-        </p:txBody>
-      </p:sp>
-    </p:spTree>
-    <p:extLst>
-      <p:ext uri="{BB962C8B-B14F-4D97-AF65-F5344CB8AC3E}">
-        <p14:creationId xmlns:p14="http://schemas.microsoft.com/office/powerpoint/2010/main" val="1936138412"/>
-      </p:ext>
-    </p:extLst>
-  </p:cSld>
-  <p:clrMapOvr>
-    <a:masterClrMapping/>
-  </p:clrMapOvr>
-</p:notes>
-</file>
-
 <file path=ppt/notesSlides/notesSlide15.xml><?xml version="1.0" encoding="utf-8"?>
 <p:notes xmlns:a="http://schemas.openxmlformats.org/drawingml/2006/main" xmlns:r="http://schemas.openxmlformats.org/officeDocument/2006/relationships" xmlns:p="http://schemas.openxmlformats.org/presentationml/2006/main">
   <p:cSld>
@@ -17795,21 +17695,56 @@
           <a:lstStyle/>
           <a:p>
             <a:r>
-              <a:rPr lang="en-US" altLang="zh-CN" dirty="0"/>
-              <a:t>https://docs.microsoft.com/en-us/windows/win32/sysinfo/registry</a:t>
+              <a:rPr lang="en-US" altLang="zh-CN" sz="1200" b="0" i="0" kern="1200" dirty="0">
+                <a:solidFill>
+                  <a:schemeClr val="tx1"/>
+                </a:solidFill>
+                <a:effectLst/>
+                <a:latin typeface="+mn-lt"/>
+                <a:ea typeface="+mn-ea"/>
+                <a:cs typeface="+mn-cs"/>
+              </a:rPr>
+              <a:t>Most of the supporting files for the hives are in the %</a:t>
+            </a:r>
+            <a:r>
+              <a:rPr lang="en-US" altLang="zh-CN" sz="1200" b="0" i="0" kern="1200" dirty="0" err="1">
+                <a:solidFill>
+                  <a:schemeClr val="tx1"/>
+                </a:solidFill>
+                <a:effectLst/>
+                <a:latin typeface="+mn-lt"/>
+                <a:ea typeface="+mn-ea"/>
+                <a:cs typeface="+mn-cs"/>
+              </a:rPr>
+              <a:t>SystemRoot</a:t>
+            </a:r>
+            <a:r>
+              <a:rPr lang="en-US" altLang="zh-CN" sz="1200" b="0" i="0" kern="1200" dirty="0">
+                <a:solidFill>
+                  <a:schemeClr val="tx1"/>
+                </a:solidFill>
+                <a:effectLst/>
+                <a:latin typeface="+mn-lt"/>
+                <a:ea typeface="+mn-ea"/>
+                <a:cs typeface="+mn-cs"/>
+              </a:rPr>
+              <a:t>%\System32\Config directory. </a:t>
             </a:r>
           </a:p>
           <a:p>
-            <a:endParaRPr lang="en-US" altLang="zh-CN" dirty="0"/>
-          </a:p>
-          <a:p>
-            <a:r>
-              <a:rPr lang="en-US" altLang="zh-CN" dirty="0"/>
-              <a:t>A hive is a logical group of keys, subkeys, and values in the registry that has a set of supporting files loaded into memory when the operating system is started or a user logs in.</a:t>
-            </a:r>
-          </a:p>
-          <a:p>
-            <a:endParaRPr lang="en-US" altLang="zh-CN" dirty="0"/>
+            <a:r>
+              <a:rPr lang="en-US" altLang="zh-CN" sz="1200" b="0" i="0" kern="1200" dirty="0">
+                <a:solidFill>
+                  <a:schemeClr val="tx1"/>
+                </a:solidFill>
+                <a:effectLst/>
+                <a:latin typeface="+mn-lt"/>
+                <a:ea typeface="+mn-ea"/>
+                <a:cs typeface="+mn-cs"/>
+              </a:rPr>
+              <a:t>These files are updated each time a user logs on</a:t>
+            </a:r>
+            <a:endParaRPr lang="zh-CN" altLang="en-US" dirty="0"/>
           </a:p>
         </p:txBody>
       </p:sp>
@@ -17830,7 +17765,7 @@
           <a:p>
             <a:fld id="{FF6B7014-1CA7-42FF-9E69-87C27AE33F47}" type="slidenum">
               <a:rPr lang="zh-CN" altLang="en-US" smtClean="0"/>
-              <a:t>34</a:t>
+              <a:t>32</a:t>
             </a:fld>
             <a:endParaRPr lang="zh-CN" altLang="en-US"/>
           </a:p>
@@ -17839,7 +17774,7 @@
     </p:spTree>
     <p:extLst>
       <p:ext uri="{BB962C8B-B14F-4D97-AF65-F5344CB8AC3E}">
-        <p14:creationId xmlns:p14="http://schemas.microsoft.com/office/powerpoint/2010/main" val="692336995"/>
+        <p14:creationId xmlns:p14="http://schemas.microsoft.com/office/powerpoint/2010/main" val="1537333672"/>
       </p:ext>
     </p:extLst>
   </p:cSld>
@@ -17964,7 +17899,7 @@
           <a:p>
             <a:fld id="{FF6B7014-1CA7-42FF-9E69-87C27AE33F47}" type="slidenum">
               <a:rPr lang="zh-CN" altLang="en-US" smtClean="0"/>
-              <a:t>35</a:t>
+              <a:t>33</a:t>
             </a:fld>
             <a:endParaRPr lang="zh-CN" altLang="en-US"/>
           </a:p>
@@ -17973,7 +17908,7 @@
     </p:spTree>
     <p:extLst>
       <p:ext uri="{BB962C8B-B14F-4D97-AF65-F5344CB8AC3E}">
-        <p14:creationId xmlns:p14="http://schemas.microsoft.com/office/powerpoint/2010/main" val="3762025210"/>
+        <p14:creationId xmlns:p14="http://schemas.microsoft.com/office/powerpoint/2010/main" val="1936138412"/>
       </p:ext>
     </p:extLst>
   </p:cSld>
@@ -18028,56 +17963,21 @@
           <a:lstStyle/>
           <a:p>
             <a:r>
-              <a:rPr lang="en-US" altLang="zh-CN" sz="1200" b="0" i="0" kern="1200" dirty="0">
-                <a:solidFill>
-                  <a:schemeClr val="tx1"/>
-                </a:solidFill>
-                <a:effectLst/>
-                <a:latin typeface="+mn-lt"/>
-                <a:ea typeface="+mn-ea"/>
-                <a:cs typeface="+mn-cs"/>
-              </a:rPr>
-              <a:t>Most of the supporting files for the hives are in the %</a:t>
-            </a:r>
-            <a:r>
-              <a:rPr lang="en-US" altLang="zh-CN" sz="1200" b="0" i="0" kern="1200" dirty="0" err="1">
-                <a:solidFill>
-                  <a:schemeClr val="tx1"/>
-                </a:solidFill>
-                <a:effectLst/>
-                <a:latin typeface="+mn-lt"/>
-                <a:ea typeface="+mn-ea"/>
-                <a:cs typeface="+mn-cs"/>
-              </a:rPr>
-              <a:t>SystemRoot</a:t>
-            </a:r>
-            <a:r>
-              <a:rPr lang="en-US" altLang="zh-CN" sz="1200" b="0" i="0" kern="1200" dirty="0">
-                <a:solidFill>
-                  <a:schemeClr val="tx1"/>
-                </a:solidFill>
-                <a:effectLst/>
-                <a:latin typeface="+mn-lt"/>
-                <a:ea typeface="+mn-ea"/>
-                <a:cs typeface="+mn-cs"/>
-              </a:rPr>
-              <a:t>%\System32\Config directory. </a:t>
+              <a:rPr lang="en-US" altLang="zh-CN" dirty="0"/>
+              <a:t>https://docs.microsoft.com/en-us/windows/win32/sysinfo/registry</a:t>
             </a:r>
           </a:p>
           <a:p>
-            <a:r>
-              <a:rPr lang="en-US" altLang="zh-CN" sz="1200" b="0" i="0" kern="1200" dirty="0">
-                <a:solidFill>
-                  <a:schemeClr val="tx1"/>
-                </a:solidFill>
-                <a:effectLst/>
-                <a:latin typeface="+mn-lt"/>
-                <a:ea typeface="+mn-ea"/>
-                <a:cs typeface="+mn-cs"/>
-              </a:rPr>
-              <a:t>These files are updated each time a user logs on</a:t>
-            </a:r>
-            <a:endParaRPr lang="zh-CN" altLang="en-US" dirty="0"/>
+            <a:endParaRPr lang="en-US" altLang="zh-CN" dirty="0"/>
+          </a:p>
+          <a:p>
+            <a:r>
+              <a:rPr lang="en-US" altLang="zh-CN" dirty="0"/>
+              <a:t>A hive is a logical group of keys, subkeys, and values in the registry that has a set of supporting files loaded into memory when the operating system is started or a user logs in.</a:t>
+            </a:r>
+          </a:p>
+          <a:p>
+            <a:endParaRPr lang="en-US" altLang="zh-CN" dirty="0"/>
           </a:p>
         </p:txBody>
       </p:sp>
@@ -18098,7 +17998,7 @@
           <a:p>
             <a:fld id="{FF6B7014-1CA7-42FF-9E69-87C27AE33F47}" type="slidenum">
               <a:rPr lang="zh-CN" altLang="en-US" smtClean="0"/>
-              <a:t>36</a:t>
+              <a:t>34</a:t>
             </a:fld>
             <a:endParaRPr lang="zh-CN" altLang="en-US"/>
           </a:p>
@@ -18107,7 +18007,7 @@
     </p:spTree>
     <p:extLst>
       <p:ext uri="{BB962C8B-B14F-4D97-AF65-F5344CB8AC3E}">
-        <p14:creationId xmlns:p14="http://schemas.microsoft.com/office/powerpoint/2010/main" val="3407143882"/>
+        <p14:creationId xmlns:p14="http://schemas.microsoft.com/office/powerpoint/2010/main" val="692336995"/>
       </p:ext>
     </p:extLst>
   </p:cSld>
@@ -18161,6 +18061,56 @@
           <a:bodyPr/>
           <a:lstStyle/>
           <a:p>
+            <a:r>
+              <a:rPr lang="en-US" altLang="zh-CN" sz="1200" b="0" i="0" kern="1200" dirty="0">
+                <a:solidFill>
+                  <a:schemeClr val="tx1"/>
+                </a:solidFill>
+                <a:effectLst/>
+                <a:latin typeface="+mn-lt"/>
+                <a:ea typeface="+mn-ea"/>
+                <a:cs typeface="+mn-cs"/>
+              </a:rPr>
+              <a:t>Most of the supporting files for the hives are in the %</a:t>
+            </a:r>
+            <a:r>
+              <a:rPr lang="en-US" altLang="zh-CN" sz="1200" b="0" i="0" kern="1200" dirty="0" err="1">
+                <a:solidFill>
+                  <a:schemeClr val="tx1"/>
+                </a:solidFill>
+                <a:effectLst/>
+                <a:latin typeface="+mn-lt"/>
+                <a:ea typeface="+mn-ea"/>
+                <a:cs typeface="+mn-cs"/>
+              </a:rPr>
+              <a:t>SystemRoot</a:t>
+            </a:r>
+            <a:r>
+              <a:rPr lang="en-US" altLang="zh-CN" sz="1200" b="0" i="0" kern="1200" dirty="0">
+                <a:solidFill>
+                  <a:schemeClr val="tx1"/>
+                </a:solidFill>
+                <a:effectLst/>
+                <a:latin typeface="+mn-lt"/>
+                <a:ea typeface="+mn-ea"/>
+                <a:cs typeface="+mn-cs"/>
+              </a:rPr>
+              <a:t>%\System32\Config directory. </a:t>
+            </a:r>
+          </a:p>
+          <a:p>
+            <a:r>
+              <a:rPr lang="en-US" altLang="zh-CN" sz="1200" b="0" i="0" kern="1200" dirty="0">
+                <a:solidFill>
+                  <a:schemeClr val="tx1"/>
+                </a:solidFill>
+                <a:effectLst/>
+                <a:latin typeface="+mn-lt"/>
+                <a:ea typeface="+mn-ea"/>
+                <a:cs typeface="+mn-cs"/>
+              </a:rPr>
+              <a:t>These files are updated each time a user logs on</a:t>
+            </a:r>
             <a:endParaRPr lang="zh-CN" altLang="en-US" dirty="0"/>
           </a:p>
         </p:txBody>
@@ -18182,7 +18132,7 @@
           <a:p>
             <a:fld id="{FF6B7014-1CA7-42FF-9E69-87C27AE33F47}" type="slidenum">
               <a:rPr lang="zh-CN" altLang="en-US" smtClean="0"/>
-              <a:t>38</a:t>
+              <a:t>35</a:t>
             </a:fld>
             <a:endParaRPr lang="zh-CN" altLang="en-US"/>
           </a:p>
@@ -18191,7 +18141,141 @@
     </p:spTree>
     <p:extLst>
       <p:ext uri="{BB962C8B-B14F-4D97-AF65-F5344CB8AC3E}">
-        <p14:creationId xmlns:p14="http://schemas.microsoft.com/office/powerpoint/2010/main" val="1972546984"/>
+        <p14:creationId xmlns:p14="http://schemas.microsoft.com/office/powerpoint/2010/main" val="3762025210"/>
+      </p:ext>
+    </p:extLst>
+  </p:cSld>
+  <p:clrMapOvr>
+    <a:masterClrMapping/>
+  </p:clrMapOvr>
+</p:notes>
+</file>
+
+<file path=ppt/notesSlides/notesSlide19.xml><?xml version="1.0" encoding="utf-8"?>
+<p:notes xmlns:a="http://schemas.openxmlformats.org/drawingml/2006/main" xmlns:r="http://schemas.openxmlformats.org/officeDocument/2006/relationships" xmlns:p="http://schemas.openxmlformats.org/presentationml/2006/main">
+  <p:cSld>
+    <p:spTree>
+      <p:nvGrpSpPr>
+        <p:cNvPr id="1" name=""/>
+        <p:cNvGrpSpPr/>
+        <p:nvPr/>
+      </p:nvGrpSpPr>
+      <p:grpSpPr>
+        <a:xfrm>
+          <a:off x="0" y="0"/>
+          <a:ext cx="0" cy="0"/>
+          <a:chOff x="0" y="0"/>
+          <a:chExt cx="0" cy="0"/>
+        </a:xfrm>
+      </p:grpSpPr>
+      <p:sp>
+        <p:nvSpPr>
+          <p:cNvPr id="2" name="幻灯片图像占位符 1"/>
+          <p:cNvSpPr>
+            <a:spLocks noGrp="1" noRot="1" noChangeAspect="1"/>
+          </p:cNvSpPr>
+          <p:nvPr>
+            <p:ph type="sldImg"/>
+          </p:nvPr>
+        </p:nvSpPr>
+        <p:spPr/>
+      </p:sp>
+      <p:sp>
+        <p:nvSpPr>
+          <p:cNvPr id="3" name="备注占位符 2"/>
+          <p:cNvSpPr>
+            <a:spLocks noGrp="1"/>
+          </p:cNvSpPr>
+          <p:nvPr>
+            <p:ph type="body" idx="1"/>
+          </p:nvPr>
+        </p:nvSpPr>
+        <p:spPr/>
+        <p:txBody>
+          <a:bodyPr/>
+          <a:lstStyle/>
+          <a:p>
+            <a:r>
+              <a:rPr lang="en-US" altLang="zh-CN" sz="1200" b="0" i="0" kern="1200" dirty="0">
+                <a:solidFill>
+                  <a:schemeClr val="tx1"/>
+                </a:solidFill>
+                <a:effectLst/>
+                <a:latin typeface="+mn-lt"/>
+                <a:ea typeface="+mn-ea"/>
+                <a:cs typeface="+mn-cs"/>
+              </a:rPr>
+              <a:t>Most of the supporting files for the hives are in the %</a:t>
+            </a:r>
+            <a:r>
+              <a:rPr lang="en-US" altLang="zh-CN" sz="1200" b="0" i="0" kern="1200" dirty="0" err="1">
+                <a:solidFill>
+                  <a:schemeClr val="tx1"/>
+                </a:solidFill>
+                <a:effectLst/>
+                <a:latin typeface="+mn-lt"/>
+                <a:ea typeface="+mn-ea"/>
+                <a:cs typeface="+mn-cs"/>
+              </a:rPr>
+              <a:t>SystemRoot</a:t>
+            </a:r>
+            <a:r>
+              <a:rPr lang="en-US" altLang="zh-CN" sz="1200" b="0" i="0" kern="1200" dirty="0">
+                <a:solidFill>
+                  <a:schemeClr val="tx1"/>
+                </a:solidFill>
+                <a:effectLst/>
+                <a:latin typeface="+mn-lt"/>
+                <a:ea typeface="+mn-ea"/>
+                <a:cs typeface="+mn-cs"/>
+              </a:rPr>
+              <a:t>%\System32\Config directory. </a:t>
+            </a:r>
+          </a:p>
+          <a:p>
+            <a:r>
+              <a:rPr lang="en-US" altLang="zh-CN" sz="1200" b="0" i="0" kern="1200" dirty="0">
+                <a:solidFill>
+                  <a:schemeClr val="tx1"/>
+                </a:solidFill>
+                <a:effectLst/>
+                <a:latin typeface="+mn-lt"/>
+                <a:ea typeface="+mn-ea"/>
+                <a:cs typeface="+mn-cs"/>
+              </a:rPr>
+              <a:t>These files are updated each time a user logs on</a:t>
+            </a:r>
+            <a:endParaRPr lang="zh-CN" altLang="en-US" dirty="0"/>
+          </a:p>
+        </p:txBody>
+      </p:sp>
+      <p:sp>
+        <p:nvSpPr>
+          <p:cNvPr id="4" name="灯片编号占位符 3"/>
+          <p:cNvSpPr>
+            <a:spLocks noGrp="1"/>
+          </p:cNvSpPr>
+          <p:nvPr>
+            <p:ph type="sldNum" sz="quarter" idx="5"/>
+          </p:nvPr>
+        </p:nvSpPr>
+        <p:spPr/>
+        <p:txBody>
+          <a:bodyPr/>
+          <a:lstStyle/>
+          <a:p>
+            <a:fld id="{FF6B7014-1CA7-42FF-9E69-87C27AE33F47}" type="slidenum">
+              <a:rPr lang="zh-CN" altLang="en-US" smtClean="0"/>
+              <a:t>36</a:t>
+            </a:fld>
+            <a:endParaRPr lang="zh-CN" altLang="en-US"/>
+          </a:p>
+        </p:txBody>
+      </p:sp>
+    </p:spTree>
+    <p:extLst>
+      <p:ext uri="{BB962C8B-B14F-4D97-AF65-F5344CB8AC3E}">
+        <p14:creationId xmlns:p14="http://schemas.microsoft.com/office/powerpoint/2010/main" val="3407143882"/>
       </p:ext>
     </p:extLst>
   </p:cSld>
@@ -18276,6 +18360,90 @@
     <p:extLst>
       <p:ext uri="{BB962C8B-B14F-4D97-AF65-F5344CB8AC3E}">
         <p14:creationId xmlns:p14="http://schemas.microsoft.com/office/powerpoint/2010/main" val="2536918471"/>
+      </p:ext>
+    </p:extLst>
+  </p:cSld>
+  <p:clrMapOvr>
+    <a:masterClrMapping/>
+  </p:clrMapOvr>
+</p:notes>
+</file>
+
+<file path=ppt/notesSlides/notesSlide20.xml><?xml version="1.0" encoding="utf-8"?>
+<p:notes xmlns:a="http://schemas.openxmlformats.org/drawingml/2006/main" xmlns:r="http://schemas.openxmlformats.org/officeDocument/2006/relationships" xmlns:p="http://schemas.openxmlformats.org/presentationml/2006/main">
+  <p:cSld>
+    <p:spTree>
+      <p:nvGrpSpPr>
+        <p:cNvPr id="1" name=""/>
+        <p:cNvGrpSpPr/>
+        <p:nvPr/>
+      </p:nvGrpSpPr>
+      <p:grpSpPr>
+        <a:xfrm>
+          <a:off x="0" y="0"/>
+          <a:ext cx="0" cy="0"/>
+          <a:chOff x="0" y="0"/>
+          <a:chExt cx="0" cy="0"/>
+        </a:xfrm>
+      </p:grpSpPr>
+      <p:sp>
+        <p:nvSpPr>
+          <p:cNvPr id="2" name="幻灯片图像占位符 1"/>
+          <p:cNvSpPr>
+            <a:spLocks noGrp="1" noRot="1" noChangeAspect="1"/>
+          </p:cNvSpPr>
+          <p:nvPr>
+            <p:ph type="sldImg"/>
+          </p:nvPr>
+        </p:nvSpPr>
+        <p:spPr/>
+      </p:sp>
+      <p:sp>
+        <p:nvSpPr>
+          <p:cNvPr id="3" name="备注占位符 2"/>
+          <p:cNvSpPr>
+            <a:spLocks noGrp="1"/>
+          </p:cNvSpPr>
+          <p:nvPr>
+            <p:ph type="body" idx="1"/>
+          </p:nvPr>
+        </p:nvSpPr>
+        <p:spPr/>
+        <p:txBody>
+          <a:bodyPr/>
+          <a:lstStyle/>
+          <a:p>
+            <a:endParaRPr lang="zh-CN" altLang="en-US" dirty="0"/>
+          </a:p>
+        </p:txBody>
+      </p:sp>
+      <p:sp>
+        <p:nvSpPr>
+          <p:cNvPr id="4" name="灯片编号占位符 3"/>
+          <p:cNvSpPr>
+            <a:spLocks noGrp="1"/>
+          </p:cNvSpPr>
+          <p:nvPr>
+            <p:ph type="sldNum" sz="quarter" idx="5"/>
+          </p:nvPr>
+        </p:nvSpPr>
+        <p:spPr/>
+        <p:txBody>
+          <a:bodyPr/>
+          <a:lstStyle/>
+          <a:p>
+            <a:fld id="{FF6B7014-1CA7-42FF-9E69-87C27AE33F47}" type="slidenum">
+              <a:rPr lang="zh-CN" altLang="en-US" smtClean="0"/>
+              <a:t>38</a:t>
+            </a:fld>
+            <a:endParaRPr lang="zh-CN" altLang="en-US"/>
+          </a:p>
+        </p:txBody>
+      </p:sp>
+    </p:spTree>
+    <p:extLst>
+      <p:ext uri="{BB962C8B-B14F-4D97-AF65-F5344CB8AC3E}">
+        <p14:creationId xmlns:p14="http://schemas.microsoft.com/office/powerpoint/2010/main" val="1972546984"/>
       </p:ext>
     </p:extLst>
   </p:cSld>
@@ -18716,10 +18884,6 @@
           <a:bodyPr/>
           <a:lstStyle/>
           <a:p>
-            <a:r>
-              <a:rPr lang="en-US" altLang="zh-CN" dirty="0"/>
-              <a:t>https://docs.microsoft.com/en-us/windows/win32/sysinfo/registry-element-size-limits</a:t>
-            </a:r>
             <a:endParaRPr lang="zh-CN" altLang="en-US" dirty="0"/>
           </a:p>
         </p:txBody>
@@ -18741,7 +18905,7 @@
           <a:p>
             <a:fld id="{FF6B7014-1CA7-42FF-9E69-87C27AE33F47}" type="slidenum">
               <a:rPr lang="zh-CN" altLang="en-US" smtClean="0"/>
-              <a:t>13</a:t>
+              <a:t>8</a:t>
             </a:fld>
             <a:endParaRPr lang="zh-CN" altLang="en-US"/>
           </a:p>
@@ -18750,7 +18914,7 @@
     </p:spTree>
     <p:extLst>
       <p:ext uri="{BB962C8B-B14F-4D97-AF65-F5344CB8AC3E}">
-        <p14:creationId xmlns:p14="http://schemas.microsoft.com/office/powerpoint/2010/main" val="4018149207"/>
+        <p14:creationId xmlns:p14="http://schemas.microsoft.com/office/powerpoint/2010/main" val="3096904567"/>
       </p:ext>
     </p:extLst>
   </p:cSld>
@@ -18804,6 +18968,12 @@
           <a:bodyPr/>
           <a:lstStyle/>
           <a:p>
+            <a:r>
+              <a:rPr lang="en-US" altLang="zh-CN" dirty="0"/>
+              <a:t>SZ: Zero Terminated String</a:t>
+            </a:r>
+          </a:p>
+          <a:p>
             <a:endParaRPr lang="zh-CN" altLang="en-US" dirty="0"/>
           </a:p>
         </p:txBody>
@@ -18825,7 +18995,7 @@
           <a:p>
             <a:fld id="{FF6B7014-1CA7-42FF-9E69-87C27AE33F47}" type="slidenum">
               <a:rPr lang="zh-CN" altLang="en-US" smtClean="0"/>
-              <a:t>14</a:t>
+              <a:t>12</a:t>
             </a:fld>
             <a:endParaRPr lang="zh-CN" altLang="en-US"/>
           </a:p>
@@ -18834,7 +19004,7 @@
     </p:spTree>
     <p:extLst>
       <p:ext uri="{BB962C8B-B14F-4D97-AF65-F5344CB8AC3E}">
-        <p14:creationId xmlns:p14="http://schemas.microsoft.com/office/powerpoint/2010/main" val="2622129671"/>
+        <p14:creationId xmlns:p14="http://schemas.microsoft.com/office/powerpoint/2010/main" val="2718474048"/>
       </p:ext>
     </p:extLst>
   </p:cSld>
@@ -18888,6 +19058,10 @@
           <a:bodyPr/>
           <a:lstStyle/>
           <a:p>
+            <a:r>
+              <a:rPr lang="en-US" altLang="zh-CN" dirty="0"/>
+              <a:t>https://docs.microsoft.com/en-us/windows/win32/sysinfo/registry-element-size-limits</a:t>
+            </a:r>
             <a:endParaRPr lang="zh-CN" altLang="en-US" dirty="0"/>
           </a:p>
         </p:txBody>
@@ -18909,7 +19083,7 @@
           <a:p>
             <a:fld id="{FF6B7014-1CA7-42FF-9E69-87C27AE33F47}" type="slidenum">
               <a:rPr lang="zh-CN" altLang="en-US" smtClean="0"/>
-              <a:t>15</a:t>
+              <a:t>13</a:t>
             </a:fld>
             <a:endParaRPr lang="zh-CN" altLang="en-US"/>
           </a:p>
@@ -18918,7 +19092,7 @@
     </p:spTree>
     <p:extLst>
       <p:ext uri="{BB962C8B-B14F-4D97-AF65-F5344CB8AC3E}">
-        <p14:creationId xmlns:p14="http://schemas.microsoft.com/office/powerpoint/2010/main" val="1768142883"/>
+        <p14:creationId xmlns:p14="http://schemas.microsoft.com/office/powerpoint/2010/main" val="4018149207"/>
       </p:ext>
     </p:extLst>
   </p:cSld>
